--- a/Subgroups/ASX/Extension Definition Exercises/2025-04 ASX UC Mapping Status Update.pptx
+++ b/Subgroups/ASX/Extension Definition Exercises/2025-04 ASX UC Mapping Status Update.pptx
@@ -6,24 +6,25 @@
     <p:sldMasterId id="2147484069" r:id="rId5"/>
   </p:sldMasterIdLst>
   <p:notesMasterIdLst>
-    <p:notesMasterId r:id="rId13"/>
+    <p:notesMasterId r:id="rId14"/>
   </p:notesMasterIdLst>
   <p:handoutMasterIdLst>
-    <p:handoutMasterId r:id="rId14"/>
+    <p:handoutMasterId r:id="rId15"/>
   </p:handoutMasterIdLst>
   <p:sldIdLst>
     <p:sldId id="2147470876" r:id="rId6"/>
-    <p:sldId id="2147472366" r:id="rId7"/>
-    <p:sldId id="2147472397" r:id="rId8"/>
-    <p:sldId id="2147472398" r:id="rId9"/>
-    <p:sldId id="2147472399" r:id="rId10"/>
-    <p:sldId id="2147472400" r:id="rId11"/>
-    <p:sldId id="2147470948" r:id="rId12"/>
+    <p:sldId id="2147472397" r:id="rId7"/>
+    <p:sldId id="2147472401" r:id="rId8"/>
+    <p:sldId id="2147472402" r:id="rId9"/>
+    <p:sldId id="2147472398" r:id="rId10"/>
+    <p:sldId id="2147472399" r:id="rId11"/>
+    <p:sldId id="2147472400" r:id="rId12"/>
+    <p:sldId id="2147470948" r:id="rId13"/>
   </p:sldIdLst>
   <p:sldSz cx="12192000" cy="6858000"/>
   <p:notesSz cx="6858000" cy="9144000"/>
   <p:custDataLst>
-    <p:tags r:id="rId15"/>
+    <p:tags r:id="rId16"/>
   </p:custDataLst>
   <p:defaultTextStyle>
     <a:defPPr>
@@ -156,8 +157,9 @@
         <p14:section name="Default Section" id="{B1AD7ED7-20BA-447F-8EB5-49C1BA74D5CC}">
           <p14:sldIdLst>
             <p14:sldId id="2147470876"/>
-            <p14:sldId id="2147472366"/>
             <p14:sldId id="2147472397"/>
+            <p14:sldId id="2147472401"/>
+            <p14:sldId id="2147472402"/>
             <p14:sldId id="2147472398"/>
             <p14:sldId id="2147472399"/>
             <p14:sldId id="2147472400"/>
@@ -1050,7 +1052,7 @@
             <a:fld id="{527AB645-225A-4E0C-832E-9FE495AA9FCD}" type="slidenum">
               <a:rPr lang="en-CA" smtClean="0"/>
               <a:pPr/>
-              <a:t>7</a:t>
+              <a:t>8</a:t>
             </a:fld>
             <a:endParaRPr lang="en-CA"/>
           </a:p>
@@ -4806,17 +4808,17 @@
           </a:ln>
           <a:extLst>
             <a:ext uri="{FAA26D3D-D897-4be2-8F04-BA451C77F1D7}">
-              <ma14:placeholderFlag xmlns:ma14="http://schemas.microsoft.com/office/mac/drawingml/2011/main" xmlns:p15="http://schemas.microsoft.com/office/powerpoint/2012/main" xmlns:p14="http://schemas.microsoft.com/office/powerpoint/2010/main" xmlns:asvg="http://schemas.microsoft.com/office/drawing/2016/SVG/main" xmlns:a16="http://schemas.microsoft.com/office/drawing/2014/main" xmlns:a14="http://schemas.microsoft.com/office/drawing/2010/main" xmlns="" val="1"/>
+              <ma14:placeholderFlag xmlns="" xmlns:a14="http://schemas.microsoft.com/office/drawing/2010/main" xmlns:a16="http://schemas.microsoft.com/office/drawing/2014/main" xmlns:asvg="http://schemas.microsoft.com/office/drawing/2016/SVG/main" xmlns:p14="http://schemas.microsoft.com/office/powerpoint/2010/main" xmlns:p15="http://schemas.microsoft.com/office/powerpoint/2012/main" xmlns:ma14="http://schemas.microsoft.com/office/mac/drawingml/2011/main" val="1"/>
             </a:ext>
             <a:ext uri="{909E8E84-426E-40dd-AFC4-6F175D3DCCD1}">
-              <a14:hiddenFill xmlns:a14="http://schemas.microsoft.com/office/drawing/2010/main" xmlns:p15="http://schemas.microsoft.com/office/powerpoint/2012/main" xmlns:p14="http://schemas.microsoft.com/office/powerpoint/2010/main" xmlns:asvg="http://schemas.microsoft.com/office/drawing/2016/SVG/main" xmlns:a16="http://schemas.microsoft.com/office/drawing/2014/main" xmlns:ma14="http://schemas.microsoft.com/office/mac/drawingml/2011/main" xmlns="">
+              <a14:hiddenFill xmlns="" xmlns:ma14="http://schemas.microsoft.com/office/mac/drawingml/2011/main" xmlns:a16="http://schemas.microsoft.com/office/drawing/2014/main" xmlns:asvg="http://schemas.microsoft.com/office/drawing/2016/SVG/main" xmlns:p14="http://schemas.microsoft.com/office/powerpoint/2010/main" xmlns:p15="http://schemas.microsoft.com/office/powerpoint/2012/main" xmlns:a14="http://schemas.microsoft.com/office/drawing/2010/main">
                 <a:solidFill>
                   <a:srgbClr val="FFFFFF"/>
                 </a:solidFill>
               </a14:hiddenFill>
             </a:ext>
             <a:ext uri="{91240B29-F687-4f45-9708-019B960494DF}">
-              <a14:hiddenLine xmlns:a14="http://schemas.microsoft.com/office/drawing/2010/main" xmlns:p15="http://schemas.microsoft.com/office/powerpoint/2012/main" xmlns:p14="http://schemas.microsoft.com/office/powerpoint/2010/main" xmlns:asvg="http://schemas.microsoft.com/office/drawing/2016/SVG/main" xmlns:a16="http://schemas.microsoft.com/office/drawing/2014/main" xmlns:ma14="http://schemas.microsoft.com/office/mac/drawingml/2011/main" xmlns="" w="9525">
+              <a14:hiddenLine xmlns="" xmlns:ma14="http://schemas.microsoft.com/office/mac/drawingml/2011/main" xmlns:a16="http://schemas.microsoft.com/office/drawing/2014/main" xmlns:asvg="http://schemas.microsoft.com/office/drawing/2016/SVG/main" xmlns:p14="http://schemas.microsoft.com/office/powerpoint/2010/main" xmlns:p15="http://schemas.microsoft.com/office/powerpoint/2012/main" xmlns:a14="http://schemas.microsoft.com/office/drawing/2010/main" w="9525">
                 <a:solidFill>
                   <a:srgbClr val="000000"/>
                 </a:solidFill>
@@ -7134,10 +7136,10 @@
       </p:grpSpPr>
       <p:sp>
         <p:nvSpPr>
-          <p:cNvPr id="7" name="Title 6">
+          <p:cNvPr id="2" name="Title 1">
             <a:extLst>
               <a:ext uri="{FF2B5EF4-FFF2-40B4-BE49-F238E27FC236}">
-                <a16:creationId xmlns:a16="http://schemas.microsoft.com/office/drawing/2014/main" id="{C1091DA3-6E04-49F6-BC90-86C72E433DEC}"/>
+                <a16:creationId xmlns:a16="http://schemas.microsoft.com/office/drawing/2014/main" id="{FBBC2E20-0332-B47E-E6CE-BA36B1CA69A1}"/>
               </a:ext>
             </a:extLst>
           </p:cNvPr>
@@ -7154,27 +7156,19 @@
           <a:lstStyle/>
           <a:p>
             <a:r>
-              <a:rPr lang="en-US" dirty="0">
-                <a:latin typeface="Red Hat Display Light" panose="02010303040201060303" pitchFamily="2" charset="0"/>
-                <a:ea typeface="Red Hat Display Light" panose="02010303040201060303" pitchFamily="2" charset="0"/>
-                <a:cs typeface="Red Hat Display Light" panose="02010303040201060303" pitchFamily="2" charset="0"/>
-              </a:rPr>
-              <a:t>Outline</a:t>
-            </a:r>
-            <a:endParaRPr lang="en-CA" dirty="0">
-              <a:latin typeface="Red Hat Display Light" panose="02010303040201060303" pitchFamily="2" charset="0"/>
-              <a:ea typeface="Red Hat Display Light" panose="02010303040201060303" pitchFamily="2" charset="0"/>
-              <a:cs typeface="Red Hat Display Light" panose="02010303040201060303" pitchFamily="2" charset="0"/>
-            </a:endParaRPr>
+              <a:rPr lang="en-US" dirty="0"/>
+              <a:t>Status Update</a:t>
+            </a:r>
+            <a:endParaRPr lang="en-CA" dirty="0"/>
           </a:p>
         </p:txBody>
       </p:sp>
       <p:sp>
         <p:nvSpPr>
-          <p:cNvPr id="8" name="Content Placeholder 7">
+          <p:cNvPr id="3" name="Content Placeholder 2">
             <a:extLst>
               <a:ext uri="{FF2B5EF4-FFF2-40B4-BE49-F238E27FC236}">
-                <a16:creationId xmlns:a16="http://schemas.microsoft.com/office/drawing/2014/main" id="{F609E316-C619-624B-3A87-11C65B92D69D}"/>
+                <a16:creationId xmlns:a16="http://schemas.microsoft.com/office/drawing/2014/main" id="{F0C6C662-7174-773E-0B48-844D01790FDB}"/>
               </a:ext>
             </a:extLst>
           </p:cNvPr>
@@ -7191,46 +7185,35 @@
           <a:lstStyle/>
           <a:p>
             <a:r>
-              <a:rPr lang="en-US" sz="2000" b="1" dirty="0"/>
-              <a:t>Strategy</a:t>
-            </a:r>
-          </a:p>
-          <a:p>
-            <a:r>
-              <a:rPr lang="en-US" sz="2000" dirty="0"/>
-              <a:t>Scenario-Level Use Cases</a:t>
-            </a:r>
-          </a:p>
-          <a:p>
-            <a:r>
-              <a:rPr lang="en-US" sz="2000" dirty="0"/>
-              <a:t>Generic Use Cases</a:t>
-            </a:r>
-          </a:p>
-          <a:p>
-            <a:r>
-              <a:rPr lang="en-US" sz="2000" dirty="0"/>
-              <a:t>Scenario-Level Mapping to Generic</a:t>
-            </a:r>
-          </a:p>
-          <a:p>
-            <a:r>
-              <a:rPr lang="en-US" sz="2000" dirty="0"/>
-              <a:t>Use Case Entities mapping to C2SIM</a:t>
-            </a:r>
-          </a:p>
-          <a:p>
-            <a:r>
-              <a:rPr lang="en-US" sz="2000" dirty="0"/>
-              <a:t>Unmapped Use Case Entities</a:t>
-            </a:r>
+              <a:rPr lang="en-US" dirty="0"/>
+              <a:t>Previous presentations have been uploaded to the GitHub repository (including this one.)</a:t>
+            </a:r>
+          </a:p>
+          <a:p>
+            <a:r>
+              <a:rPr lang="en-US" dirty="0"/>
+              <a:t>Current work effort is updating ASX Use Case Mapping Exercise.docx.</a:t>
+            </a:r>
+          </a:p>
+          <a:p>
+            <a:r>
+              <a:rPr lang="en-US" dirty="0"/>
+              <a:t>Contributions to editing the document welcome.</a:t>
+            </a:r>
+          </a:p>
+          <a:p>
+            <a:r>
+              <a:rPr lang="en-US" dirty="0"/>
+              <a:t>See next slide.</a:t>
+            </a:r>
+            <a:endParaRPr lang="en-CA" dirty="0"/>
           </a:p>
         </p:txBody>
       </p:sp>
     </p:spTree>
     <p:extLst>
       <p:ext uri="{BB962C8B-B14F-4D97-AF65-F5344CB8AC3E}">
-        <p14:creationId xmlns:p14="http://schemas.microsoft.com/office/powerpoint/2010/main" val="2142024729"/>
+        <p14:creationId xmlns:p14="http://schemas.microsoft.com/office/powerpoint/2010/main" val="2659689208"/>
       </p:ext>
     </p:extLst>
   </p:cSld>
@@ -7262,7 +7245,7 @@
           <p:cNvPr id="2" name="Title 1">
             <a:extLst>
               <a:ext uri="{FF2B5EF4-FFF2-40B4-BE49-F238E27FC236}">
-                <a16:creationId xmlns:a16="http://schemas.microsoft.com/office/drawing/2014/main" id="{FBBC2E20-0332-B47E-E6CE-BA36B1CA69A1}"/>
+                <a16:creationId xmlns:a16="http://schemas.microsoft.com/office/drawing/2014/main" id="{A36B9E06-F32F-F123-4497-221CDD2D88F2}"/>
               </a:ext>
             </a:extLst>
           </p:cNvPr>
@@ -7280,7 +7263,7 @@
           <a:p>
             <a:r>
               <a:rPr lang="en-US" dirty="0"/>
-              <a:t>Status Update</a:t>
+              <a:t>References uploaded to GitHub</a:t>
             </a:r>
             <a:endParaRPr lang="en-CA" dirty="0"/>
           </a:p>
@@ -7291,7 +7274,7 @@
           <p:cNvPr id="3" name="Content Placeholder 2">
             <a:extLst>
               <a:ext uri="{FF2B5EF4-FFF2-40B4-BE49-F238E27FC236}">
-                <a16:creationId xmlns:a16="http://schemas.microsoft.com/office/drawing/2014/main" id="{F0C6C662-7174-773E-0B48-844D01790FDB}"/>
+                <a16:creationId xmlns:a16="http://schemas.microsoft.com/office/drawing/2014/main" id="{9EF519CB-7FB5-7357-2209-55491AFEBE39}"/>
               </a:ext>
             </a:extLst>
           </p:cNvPr>
@@ -7309,26 +7292,37 @@
           <a:p>
             <a:r>
               <a:rPr lang="en-US" dirty="0"/>
-              <a:t>Previous presentations have been uploaded to the GitHub repository (including this one.)</a:t>
-            </a:r>
-          </a:p>
-          <a:p>
+              <a:t>Under C2SIMArtifacts / Subgroups / ASX / Reference Materials:</a:t>
+            </a:r>
+          </a:p>
+          <a:p>
+            <a:pPr lvl="1"/>
             <a:r>
               <a:rPr lang="en-US" dirty="0"/>
-              <a:t>Current work effort is updating ASX Use Case Mapping Exercise.docx.</a:t>
-            </a:r>
-          </a:p>
-          <a:p>
+              <a:t>117672-152 UXV National Security MAD CONOPS – White paper from CAE about using MAD sensors on Surface and Sub-surface </a:t>
+            </a:r>
+            <a:r>
+              <a:rPr lang="en-US" dirty="0" err="1"/>
+              <a:t>platorms</a:t>
+            </a:r>
+            <a:endParaRPr lang="en-US" dirty="0"/>
+          </a:p>
+          <a:p>
+            <a:pPr lvl="1"/>
             <a:r>
               <a:rPr lang="en-US" dirty="0"/>
-              <a:t>Contributions to editing the document welcome.</a:t>
-            </a:r>
-          </a:p>
-          <a:p>
+              <a:t>2020_SIW_Situational_Awareness_C2SIM For PDG – Paper and presentation proposing extensions to C2SIM </a:t>
+            </a:r>
+          </a:p>
+          <a:p>
+            <a:pPr lvl="1"/>
             <a:r>
               <a:rPr lang="en-US" dirty="0"/>
-              <a:t>See next slide.</a:t>
-            </a:r>
+              <a:t>IEEE Robotics Standards Overview pdf and pptx – Overview presentation I gave last summer</a:t>
+            </a:r>
+          </a:p>
+          <a:p>
+            <a:pPr lvl="1"/>
             <a:endParaRPr lang="en-CA" dirty="0"/>
           </a:p>
         </p:txBody>
@@ -7336,7 +7330,7 @@
     </p:spTree>
     <p:extLst>
       <p:ext uri="{BB962C8B-B14F-4D97-AF65-F5344CB8AC3E}">
-        <p14:creationId xmlns:p14="http://schemas.microsoft.com/office/powerpoint/2010/main" val="2659689208"/>
+        <p14:creationId xmlns:p14="http://schemas.microsoft.com/office/powerpoint/2010/main" val="2008008623"/>
       </p:ext>
     </p:extLst>
   </p:cSld>
@@ -7368,7 +7362,7 @@
           <p:cNvPr id="2" name="Title 1">
             <a:extLst>
               <a:ext uri="{FF2B5EF4-FFF2-40B4-BE49-F238E27FC236}">
-                <a16:creationId xmlns:a16="http://schemas.microsoft.com/office/drawing/2014/main" id="{8E9BF2FA-0F32-AA72-E621-8D8D119022C9}"/>
+                <a16:creationId xmlns:a16="http://schemas.microsoft.com/office/drawing/2014/main" id="{3645AE02-1C2D-A009-5E99-B60C794BCF73}"/>
               </a:ext>
             </a:extLst>
           </p:cNvPr>
@@ -7386,7 +7380,7 @@
           <a:p>
             <a:r>
               <a:rPr lang="en-US" dirty="0"/>
-              <a:t>Current Structure of the Mapping document (1/2)</a:t>
+              <a:t>Extension Definition Exercises files in GitHub</a:t>
             </a:r>
             <a:endParaRPr lang="en-CA" dirty="0"/>
           </a:p>
@@ -7397,7 +7391,7 @@
           <p:cNvPr id="3" name="Content Placeholder 2">
             <a:extLst>
               <a:ext uri="{FF2B5EF4-FFF2-40B4-BE49-F238E27FC236}">
-                <a16:creationId xmlns:a16="http://schemas.microsoft.com/office/drawing/2014/main" id="{C073BA69-7661-ABCE-F8A8-42C137C915BC}"/>
+                <a16:creationId xmlns:a16="http://schemas.microsoft.com/office/drawing/2014/main" id="{B425E73A-507A-B0C1-584A-B2A7BB4A75EA}"/>
               </a:ext>
             </a:extLst>
           </p:cNvPr>
@@ -7410,92 +7404,46 @@
         </p:nvSpPr>
         <p:spPr/>
         <p:txBody>
-          <a:bodyPr>
-            <a:normAutofit fontScale="92500" lnSpcReduction="10000"/>
-          </a:bodyPr>
+          <a:bodyPr/>
           <a:lstStyle/>
           <a:p>
             <a:r>
               <a:rPr lang="en-US" dirty="0"/>
-              <a:t>Ch 1 Use Case Descriptions</a:t>
+              <a:t>Under C2SIMArtifacts / Subgroups / ASX / Extension Definition Exercises </a:t>
             </a:r>
           </a:p>
           <a:p>
             <a:pPr lvl="1"/>
             <a:r>
               <a:rPr lang="en-US" dirty="0"/>
-              <a:t>Lists 7 use cases</a:t>
+              <a:t>Status presentations</a:t>
             </a:r>
           </a:p>
           <a:p>
             <a:pPr lvl="1"/>
             <a:r>
               <a:rPr lang="en-US" dirty="0"/>
-              <a:t>Each describes the mission, with informal descriptions.</a:t>
-            </a:r>
-          </a:p>
-          <a:p>
+              <a:t>ASX Use Case Mapping Exercise.docx – Work in Progress  - capturing use cases and mapping them into current C2SIM standard to identify short-falls.</a:t>
+            </a:r>
+          </a:p>
+          <a:p>
+            <a:pPr lvl="2"/>
             <a:r>
               <a:rPr lang="en-US" dirty="0"/>
-              <a:t>Ch 2 Use Case Breakdowns</a:t>
-            </a:r>
-          </a:p>
-          <a:p>
-            <a:pPr lvl="1"/>
-            <a:r>
-              <a:rPr lang="en-US" dirty="0"/>
-              <a:t>For each use case in Ch. 1, use tables to define:</a:t>
-            </a:r>
-          </a:p>
-          <a:p>
-            <a:pPr lvl="2"/>
-            <a:r>
-              <a:rPr lang="en-US" dirty="0"/>
-              <a:t>Scenario Entities </a:t>
-            </a:r>
-          </a:p>
-          <a:p>
-            <a:pPr lvl="2"/>
-            <a:r>
-              <a:rPr lang="en-US" dirty="0"/>
-              <a:t>Scenario Initialization Messages – list needed messages, then refer to actual message details in Ch. 3</a:t>
-            </a:r>
-          </a:p>
-          <a:p>
-            <a:pPr lvl="2"/>
-            <a:r>
-              <a:rPr lang="en-US" dirty="0"/>
-              <a:t>Scenario Messages</a:t>
-            </a:r>
-          </a:p>
-          <a:p>
-            <a:pPr lvl="1"/>
-            <a:r>
-              <a:rPr lang="en-CA" dirty="0"/>
-              <a:t>These tables provide identifiers for all entities, and list messages (Orders, Reports).</a:t>
-            </a:r>
-          </a:p>
-          <a:p>
-            <a:pPr lvl="1"/>
-            <a:r>
-              <a:rPr lang="en-CA" dirty="0"/>
-              <a:t>Message details will be </a:t>
-            </a:r>
-            <a:r>
-              <a:rPr lang="en-CA" dirty="0" err="1"/>
-              <a:t>exapanded</a:t>
-            </a:r>
-            <a:r>
-              <a:rPr lang="en-CA" dirty="0"/>
-              <a:t> on in Ch. 3</a:t>
-            </a:r>
+              <a:t>Could use some collaboration – </a:t>
+            </a:r>
+            <a:r>
+              <a:rPr lang="en-US"/>
+              <a:t>see following files.</a:t>
+            </a:r>
+            <a:endParaRPr lang="en-CA" dirty="0"/>
           </a:p>
         </p:txBody>
       </p:sp>
     </p:spTree>
     <p:extLst>
       <p:ext uri="{BB962C8B-B14F-4D97-AF65-F5344CB8AC3E}">
-        <p14:creationId xmlns:p14="http://schemas.microsoft.com/office/powerpoint/2010/main" val="386830678"/>
+        <p14:creationId xmlns:p14="http://schemas.microsoft.com/office/powerpoint/2010/main" val="812422804"/>
       </p:ext>
     </p:extLst>
   </p:cSld>
@@ -7527,7 +7475,7 @@
           <p:cNvPr id="2" name="Title 1">
             <a:extLst>
               <a:ext uri="{FF2B5EF4-FFF2-40B4-BE49-F238E27FC236}">
-                <a16:creationId xmlns:a16="http://schemas.microsoft.com/office/drawing/2014/main" id="{6D1FE377-4F91-CBEB-99A3-2B6B5AD6767D}"/>
+                <a16:creationId xmlns:a16="http://schemas.microsoft.com/office/drawing/2014/main" id="{8E9BF2FA-0F32-AA72-E621-8D8D119022C9}"/>
               </a:ext>
             </a:extLst>
           </p:cNvPr>
@@ -7545,7 +7493,7 @@
           <a:p>
             <a:r>
               <a:rPr lang="en-US" dirty="0"/>
-              <a:t>Current Structure of the Mapping document (2/2)</a:t>
+              <a:t>Current Structure of the Mapping document (1/2)</a:t>
             </a:r>
             <a:endParaRPr lang="en-CA" dirty="0"/>
           </a:p>
@@ -7556,7 +7504,7 @@
           <p:cNvPr id="3" name="Content Placeholder 2">
             <a:extLst>
               <a:ext uri="{FF2B5EF4-FFF2-40B4-BE49-F238E27FC236}">
-                <a16:creationId xmlns:a16="http://schemas.microsoft.com/office/drawing/2014/main" id="{F9207DCE-508C-F012-040A-B6001B69CA02}"/>
+                <a16:creationId xmlns:a16="http://schemas.microsoft.com/office/drawing/2014/main" id="{C073BA69-7661-ABCE-F8A8-42C137C915BC}"/>
               </a:ext>
             </a:extLst>
           </p:cNvPr>
@@ -7569,35 +7517,92 @@
         </p:nvSpPr>
         <p:spPr/>
         <p:txBody>
-          <a:bodyPr/>
+          <a:bodyPr>
+            <a:normAutofit fontScale="92500" lnSpcReduction="10000"/>
+          </a:bodyPr>
           <a:lstStyle/>
           <a:p>
             <a:r>
               <a:rPr lang="en-US" dirty="0"/>
-              <a:t>Ch 3 Message Details</a:t>
+              <a:t>Ch 1 Use Case Descriptions</a:t>
             </a:r>
           </a:p>
           <a:p>
             <a:pPr lvl="1"/>
             <a:r>
               <a:rPr lang="en-US" dirty="0"/>
-              <a:t>Tables to be completed with entities from C2SIM standard.</a:t>
+              <a:t>Lists 7 use cases</a:t>
             </a:r>
           </a:p>
           <a:p>
             <a:pPr lvl="1"/>
             <a:r>
               <a:rPr lang="en-US" dirty="0"/>
-              <a:t>Any information that cannot be mapped to entities from the standard will become basis for extension definition.</a:t>
-            </a:r>
-            <a:endParaRPr lang="en-CA" dirty="0"/>
+              <a:t>Each describes the mission, with informal descriptions.</a:t>
+            </a:r>
+          </a:p>
+          <a:p>
+            <a:r>
+              <a:rPr lang="en-US" dirty="0"/>
+              <a:t>Ch 2 Use Case Breakdowns</a:t>
+            </a:r>
+          </a:p>
+          <a:p>
+            <a:pPr lvl="1"/>
+            <a:r>
+              <a:rPr lang="en-US" dirty="0"/>
+              <a:t>For each use case in Ch. 1, use tables to define:</a:t>
+            </a:r>
+          </a:p>
+          <a:p>
+            <a:pPr lvl="2"/>
+            <a:r>
+              <a:rPr lang="en-US" dirty="0"/>
+              <a:t>Scenario Entities </a:t>
+            </a:r>
+          </a:p>
+          <a:p>
+            <a:pPr lvl="2"/>
+            <a:r>
+              <a:rPr lang="en-US" dirty="0"/>
+              <a:t>Scenario Initialization Messages – list needed messages, then refer to actual message details in Ch. 3</a:t>
+            </a:r>
+          </a:p>
+          <a:p>
+            <a:pPr lvl="2"/>
+            <a:r>
+              <a:rPr lang="en-US" dirty="0"/>
+              <a:t>Scenario Messages</a:t>
+            </a:r>
+          </a:p>
+          <a:p>
+            <a:pPr lvl="1"/>
+            <a:r>
+              <a:rPr lang="en-CA" dirty="0"/>
+              <a:t>These tables provide identifiers for all entities, and list messages (Orders, Reports).</a:t>
+            </a:r>
+          </a:p>
+          <a:p>
+            <a:pPr lvl="1"/>
+            <a:r>
+              <a:rPr lang="en-CA" dirty="0"/>
+              <a:t>Message details will be </a:t>
+            </a:r>
+            <a:r>
+              <a:rPr lang="en-CA" dirty="0" err="1"/>
+              <a:t>exapanded</a:t>
+            </a:r>
+            <a:r>
+              <a:rPr lang="en-CA" dirty="0"/>
+              <a:t> on in Ch. 3</a:t>
+            </a:r>
           </a:p>
         </p:txBody>
       </p:sp>
     </p:spTree>
     <p:extLst>
       <p:ext uri="{BB962C8B-B14F-4D97-AF65-F5344CB8AC3E}">
-        <p14:creationId xmlns:p14="http://schemas.microsoft.com/office/powerpoint/2010/main" val="2782866786"/>
+        <p14:creationId xmlns:p14="http://schemas.microsoft.com/office/powerpoint/2010/main" val="386830678"/>
       </p:ext>
     </p:extLst>
   </p:cSld>
@@ -7629,6 +7634,108 @@
           <p:cNvPr id="2" name="Title 1">
             <a:extLst>
               <a:ext uri="{FF2B5EF4-FFF2-40B4-BE49-F238E27FC236}">
+                <a16:creationId xmlns:a16="http://schemas.microsoft.com/office/drawing/2014/main" id="{6D1FE377-4F91-CBEB-99A3-2B6B5AD6767D}"/>
+              </a:ext>
+            </a:extLst>
+          </p:cNvPr>
+          <p:cNvSpPr>
+            <a:spLocks noGrp="1"/>
+          </p:cNvSpPr>
+          <p:nvPr>
+            <p:ph type="title"/>
+          </p:nvPr>
+        </p:nvSpPr>
+        <p:spPr/>
+        <p:txBody>
+          <a:bodyPr/>
+          <a:lstStyle/>
+          <a:p>
+            <a:r>
+              <a:rPr lang="en-US" dirty="0"/>
+              <a:t>Current Structure of the Mapping document (2/2)</a:t>
+            </a:r>
+            <a:endParaRPr lang="en-CA" dirty="0"/>
+          </a:p>
+        </p:txBody>
+      </p:sp>
+      <p:sp>
+        <p:nvSpPr>
+          <p:cNvPr id="3" name="Content Placeholder 2">
+            <a:extLst>
+              <a:ext uri="{FF2B5EF4-FFF2-40B4-BE49-F238E27FC236}">
+                <a16:creationId xmlns:a16="http://schemas.microsoft.com/office/drawing/2014/main" id="{F9207DCE-508C-F012-040A-B6001B69CA02}"/>
+              </a:ext>
+            </a:extLst>
+          </p:cNvPr>
+          <p:cNvSpPr>
+            <a:spLocks noGrp="1"/>
+          </p:cNvSpPr>
+          <p:nvPr>
+            <p:ph idx="1"/>
+          </p:nvPr>
+        </p:nvSpPr>
+        <p:spPr/>
+        <p:txBody>
+          <a:bodyPr/>
+          <a:lstStyle/>
+          <a:p>
+            <a:r>
+              <a:rPr lang="en-US" dirty="0"/>
+              <a:t>Ch 3 Message Details</a:t>
+            </a:r>
+          </a:p>
+          <a:p>
+            <a:pPr lvl="1"/>
+            <a:r>
+              <a:rPr lang="en-US" dirty="0"/>
+              <a:t>Tables to be completed with entities from C2SIM standard.</a:t>
+            </a:r>
+          </a:p>
+          <a:p>
+            <a:pPr lvl="1"/>
+            <a:r>
+              <a:rPr lang="en-US" dirty="0"/>
+              <a:t>Any information that cannot be mapped to entities from the standard will become basis for extension definition.</a:t>
+            </a:r>
+            <a:endParaRPr lang="en-CA" dirty="0"/>
+          </a:p>
+        </p:txBody>
+      </p:sp>
+    </p:spTree>
+    <p:extLst>
+      <p:ext uri="{BB962C8B-B14F-4D97-AF65-F5344CB8AC3E}">
+        <p14:creationId xmlns:p14="http://schemas.microsoft.com/office/powerpoint/2010/main" val="2782866786"/>
+      </p:ext>
+    </p:extLst>
+  </p:cSld>
+  <p:clrMapOvr>
+    <a:masterClrMapping/>
+  </p:clrMapOvr>
+</p:sld>
+</file>
+
+<file path=ppt/slides/slide7.xml><?xml version="1.0" encoding="utf-8"?>
+<p:sld xmlns:a="http://schemas.openxmlformats.org/drawingml/2006/main" xmlns:r="http://schemas.openxmlformats.org/officeDocument/2006/relationships" xmlns:p="http://schemas.openxmlformats.org/presentationml/2006/main">
+  <p:cSld>
+    <p:spTree>
+      <p:nvGrpSpPr>
+        <p:cNvPr id="1" name=""/>
+        <p:cNvGrpSpPr/>
+        <p:nvPr/>
+      </p:nvGrpSpPr>
+      <p:grpSpPr>
+        <a:xfrm>
+          <a:off x="0" y="0"/>
+          <a:ext cx="0" cy="0"/>
+          <a:chOff x="0" y="0"/>
+          <a:chExt cx="0" cy="0"/>
+        </a:xfrm>
+      </p:grpSpPr>
+      <p:sp>
+        <p:nvSpPr>
+          <p:cNvPr id="2" name="Title 1">
+            <a:extLst>
+              <a:ext uri="{FF2B5EF4-FFF2-40B4-BE49-F238E27FC236}">
                 <a16:creationId xmlns:a16="http://schemas.microsoft.com/office/drawing/2014/main" id="{74A69F12-607D-D576-A267-CFADB5E17E43}"/>
               </a:ext>
             </a:extLst>
@@ -7740,7 +7847,7 @@
 </p:sld>
 </file>
 
-<file path=ppt/slides/slide7.xml><?xml version="1.0" encoding="utf-8"?>
+<file path=ppt/slides/slide8.xml><?xml version="1.0" encoding="utf-8"?>
 <p:sld xmlns:a="http://schemas.openxmlformats.org/drawingml/2006/main" xmlns:r="http://schemas.openxmlformats.org/officeDocument/2006/relationships" xmlns:p="http://schemas.openxmlformats.org/presentationml/2006/main">
   <p:cSld>
     <p:bg>
@@ -9160,6 +9267,15 @@
 </file>
 
 <file path=customXml/item1.xml><?xml version="1.0" encoding="utf-8"?>
+<?mso-contentType ?>
+<FormTemplates xmlns="http://schemas.microsoft.com/sharepoint/v3/contenttype/forms">
+  <Display>DocumentLibraryForm</Display>
+  <Edit>DocumentLibraryForm</Edit>
+  <New>DocumentLibraryForm</New>
+</FormTemplates>
+</file>
+
+<file path=customXml/item2.xml><?xml version="1.0" encoding="utf-8"?>
 <p:properties xmlns:p="http://schemas.microsoft.com/office/2006/metadata/properties" xmlns:xsi="http://www.w3.org/2001/XMLSchema-instance" xmlns:pc="http://schemas.microsoft.com/office/infopath/2007/PartnerControls">
   <documentManagement>
     <SharedWithUsers xmlns="716d1e58-2f47-4028-a3d3-4ae2fbcdb48c">
@@ -9191,15 +9307,6 @@
     <MediaLengthInSeconds xmlns="9de35825-77e6-4d9d-bbc7-7a2b5e5c6d68" xsi:nil="true"/>
   </documentManagement>
 </p:properties>
-</file>
-
-<file path=customXml/item2.xml><?xml version="1.0" encoding="utf-8"?>
-<?mso-contentType ?>
-<FormTemplates xmlns="http://schemas.microsoft.com/sharepoint/v3/contenttype/forms">
-  <Display>DocumentLibraryForm</Display>
-  <Edit>DocumentLibraryForm</Edit>
-  <New>DocumentLibraryForm</New>
-</FormTemplates>
 </file>
 
 <file path=customXml/item3.xml><?xml version="1.0" encoding="utf-8"?>
@@ -9463,6 +9570,14 @@
 </file>
 
 <file path=customXml/itemProps1.xml><?xml version="1.0" encoding="utf-8"?>
+<ds:datastoreItem xmlns:ds="http://schemas.openxmlformats.org/officeDocument/2006/customXml" ds:itemID="{E37F82A6-C5BB-4E86-A9B2-E9D69C07338F}">
+  <ds:schemaRefs>
+    <ds:schemaRef ds:uri="http://schemas.microsoft.com/sharepoint/v3/contenttype/forms"/>
+  </ds:schemaRefs>
+</ds:datastoreItem>
+</file>
+
+<file path=customXml/itemProps2.xml><?xml version="1.0" encoding="utf-8"?>
 <ds:datastoreItem xmlns:ds="http://schemas.openxmlformats.org/officeDocument/2006/customXml" ds:itemID="{A891A0FF-7CF6-4FC6-83D5-1298EC075798}">
   <ds:schemaRefs>
     <ds:schemaRef ds:uri="12cd23af-3e52-4056-a2c9-5961a2704e29"/>
@@ -9476,14 +9591,6 @@
     <ds:schemaRef ds:uri="http://schemas.microsoft.com/office/infopath/2007/PartnerControls"/>
     <ds:schemaRef ds:uri="http://schemas.openxmlformats.org/package/2006/metadata/core-properties"/>
     <ds:schemaRef ds:uri="http://www.w3.org/XML/1998/namespace"/>
-  </ds:schemaRefs>
-</ds:datastoreItem>
-</file>
-
-<file path=customXml/itemProps2.xml><?xml version="1.0" encoding="utf-8"?>
-<ds:datastoreItem xmlns:ds="http://schemas.openxmlformats.org/officeDocument/2006/customXml" ds:itemID="{E37F82A6-C5BB-4E86-A9B2-E9D69C07338F}">
-  <ds:schemaRefs>
-    <ds:schemaRef ds:uri="http://schemas.microsoft.com/sharepoint/v3/contenttype/forms"/>
   </ds:schemaRefs>
 </ds:datastoreItem>
 </file>

--- a/Subgroups/ASX/Extension Definition Exercises/2025-04 ASX UC Mapping Status Update.pptx
+++ b/Subgroups/ASX/Extension Definition Exercises/2025-04 ASX UC Mapping Status Update.pptx
@@ -365,7 +365,7 @@
                 </a:solidFill>
                 <a:latin typeface="Red Hat Display" panose="02010303040201060303" pitchFamily="2" charset="0"/>
               </a:rPr>
-              <a:t>2025-04-15</a:t>
+              <a:t>2025-04-16</a:t>
             </a:fld>
             <a:endParaRPr lang="en-CA">
               <a:solidFill>
@@ -573,7 +573,7 @@
             <a:fld id="{862401FA-03E4-417E-850D-BECBAC0BE149}" type="datetimeFigureOut">
               <a:rPr lang="en-CA" smtClean="0"/>
               <a:pPr/>
-              <a:t>2025-04-15</a:t>
+              <a:t>2025-04-16</a:t>
             </a:fld>
             <a:endParaRPr lang="en-CA"/>
           </a:p>
@@ -1543,7 +1543,7 @@
           <a:p>
             <a:fld id="{A99DE38A-F523-4625-AD04-A26CD6F4D124}" type="datetimeFigureOut">
               <a:rPr lang="en-CA" smtClean="0"/>
-              <a:t>2025-04-15</a:t>
+              <a:t>2025-04-16</a:t>
             </a:fld>
             <a:endParaRPr lang="en-CA"/>
           </a:p>
@@ -1856,7 +1856,7 @@
           <a:p>
             <a:fld id="{A99DE38A-F523-4625-AD04-A26CD6F4D124}" type="datetimeFigureOut">
               <a:rPr lang="en-CA" smtClean="0"/>
-              <a:t>2025-04-15</a:t>
+              <a:t>2025-04-16</a:t>
             </a:fld>
             <a:endParaRPr lang="en-CA"/>
           </a:p>
@@ -2080,7 +2080,7 @@
           <a:p>
             <a:fld id="{A99DE38A-F523-4625-AD04-A26CD6F4D124}" type="datetimeFigureOut">
               <a:rPr lang="en-CA" smtClean="0"/>
-              <a:t>2025-04-15</a:t>
+              <a:t>2025-04-16</a:t>
             </a:fld>
             <a:endParaRPr lang="en-CA"/>
           </a:p>
@@ -4808,17 +4808,17 @@
           </a:ln>
           <a:extLst>
             <a:ext uri="{FAA26D3D-D897-4be2-8F04-BA451C77F1D7}">
-              <ma14:placeholderFlag xmlns="" xmlns:a14="http://schemas.microsoft.com/office/drawing/2010/main" xmlns:a16="http://schemas.microsoft.com/office/drawing/2014/main" xmlns:asvg="http://schemas.microsoft.com/office/drawing/2016/SVG/main" xmlns:p14="http://schemas.microsoft.com/office/powerpoint/2010/main" xmlns:p15="http://schemas.microsoft.com/office/powerpoint/2012/main" xmlns:ma14="http://schemas.microsoft.com/office/mac/drawingml/2011/main" val="1"/>
+              <ma14:placeholderFlag xmlns:ma14="http://schemas.microsoft.com/office/mac/drawingml/2011/main" xmlns:p15="http://schemas.microsoft.com/office/powerpoint/2012/main" xmlns:p14="http://schemas.microsoft.com/office/powerpoint/2010/main" xmlns:asvg="http://schemas.microsoft.com/office/drawing/2016/SVG/main" xmlns:a16="http://schemas.microsoft.com/office/drawing/2014/main" xmlns:a14="http://schemas.microsoft.com/office/drawing/2010/main" xmlns="" val="1"/>
             </a:ext>
             <a:ext uri="{909E8E84-426E-40dd-AFC4-6F175D3DCCD1}">
-              <a14:hiddenFill xmlns="" xmlns:ma14="http://schemas.microsoft.com/office/mac/drawingml/2011/main" xmlns:a16="http://schemas.microsoft.com/office/drawing/2014/main" xmlns:asvg="http://schemas.microsoft.com/office/drawing/2016/SVG/main" xmlns:p14="http://schemas.microsoft.com/office/powerpoint/2010/main" xmlns:p15="http://schemas.microsoft.com/office/powerpoint/2012/main" xmlns:a14="http://schemas.microsoft.com/office/drawing/2010/main">
+              <a14:hiddenFill xmlns:a14="http://schemas.microsoft.com/office/drawing/2010/main" xmlns:p15="http://schemas.microsoft.com/office/powerpoint/2012/main" xmlns:p14="http://schemas.microsoft.com/office/powerpoint/2010/main" xmlns:asvg="http://schemas.microsoft.com/office/drawing/2016/SVG/main" xmlns:a16="http://schemas.microsoft.com/office/drawing/2014/main" xmlns:ma14="http://schemas.microsoft.com/office/mac/drawingml/2011/main" xmlns="">
                 <a:solidFill>
                   <a:srgbClr val="FFFFFF"/>
                 </a:solidFill>
               </a14:hiddenFill>
             </a:ext>
             <a:ext uri="{91240B29-F687-4f45-9708-019B960494DF}">
-              <a14:hiddenLine xmlns="" xmlns:ma14="http://schemas.microsoft.com/office/mac/drawingml/2011/main" xmlns:a16="http://schemas.microsoft.com/office/drawing/2014/main" xmlns:asvg="http://schemas.microsoft.com/office/drawing/2016/SVG/main" xmlns:p14="http://schemas.microsoft.com/office/powerpoint/2010/main" xmlns:p15="http://schemas.microsoft.com/office/powerpoint/2012/main" xmlns:a14="http://schemas.microsoft.com/office/drawing/2010/main" w="9525">
+              <a14:hiddenLine xmlns:a14="http://schemas.microsoft.com/office/drawing/2010/main" xmlns:p15="http://schemas.microsoft.com/office/powerpoint/2012/main" xmlns:p14="http://schemas.microsoft.com/office/powerpoint/2010/main" xmlns:asvg="http://schemas.microsoft.com/office/drawing/2016/SVG/main" xmlns:a16="http://schemas.microsoft.com/office/drawing/2014/main" xmlns:ma14="http://schemas.microsoft.com/office/mac/drawingml/2011/main" xmlns="" w="9525">
                 <a:solidFill>
                   <a:srgbClr val="000000"/>
                 </a:solidFill>
@@ -7586,15 +7586,15 @@
             <a:pPr lvl="1"/>
             <a:r>
               <a:rPr lang="en-CA" dirty="0"/>
-              <a:t>Message details will be </a:t>
-            </a:r>
-            <a:r>
-              <a:rPr lang="en-CA" dirty="0" err="1"/>
-              <a:t>exapanded</a:t>
+              <a:t>Message details will </a:t>
+            </a:r>
+            <a:r>
+              <a:rPr lang="en-CA"/>
+              <a:t>be expanded </a:t>
             </a:r>
             <a:r>
               <a:rPr lang="en-CA" dirty="0"/>
-              <a:t> on in Ch. 3</a:t>
+              <a:t>on in Ch. 3</a:t>
             </a:r>
           </a:p>
         </p:txBody>
@@ -9267,15 +9267,6 @@
 </file>
 
 <file path=customXml/item1.xml><?xml version="1.0" encoding="utf-8"?>
-<?mso-contentType ?>
-<FormTemplates xmlns="http://schemas.microsoft.com/sharepoint/v3/contenttype/forms">
-  <Display>DocumentLibraryForm</Display>
-  <Edit>DocumentLibraryForm</Edit>
-  <New>DocumentLibraryForm</New>
-</FormTemplates>
-</file>
-
-<file path=customXml/item2.xml><?xml version="1.0" encoding="utf-8"?>
 <p:properties xmlns:p="http://schemas.microsoft.com/office/2006/metadata/properties" xmlns:xsi="http://www.w3.org/2001/XMLSchema-instance" xmlns:pc="http://schemas.microsoft.com/office/infopath/2007/PartnerControls">
   <documentManagement>
     <SharedWithUsers xmlns="716d1e58-2f47-4028-a3d3-4ae2fbcdb48c">
@@ -9307,6 +9298,15 @@
     <MediaLengthInSeconds xmlns="9de35825-77e6-4d9d-bbc7-7a2b5e5c6d68" xsi:nil="true"/>
   </documentManagement>
 </p:properties>
+</file>
+
+<file path=customXml/item2.xml><?xml version="1.0" encoding="utf-8"?>
+<?mso-contentType ?>
+<FormTemplates xmlns="http://schemas.microsoft.com/sharepoint/v3/contenttype/forms">
+  <Display>DocumentLibraryForm</Display>
+  <Edit>DocumentLibraryForm</Edit>
+  <New>DocumentLibraryForm</New>
+</FormTemplates>
 </file>
 
 <file path=customXml/item3.xml><?xml version="1.0" encoding="utf-8"?>
@@ -9570,14 +9570,6 @@
 </file>
 
 <file path=customXml/itemProps1.xml><?xml version="1.0" encoding="utf-8"?>
-<ds:datastoreItem xmlns:ds="http://schemas.openxmlformats.org/officeDocument/2006/customXml" ds:itemID="{E37F82A6-C5BB-4E86-A9B2-E9D69C07338F}">
-  <ds:schemaRefs>
-    <ds:schemaRef ds:uri="http://schemas.microsoft.com/sharepoint/v3/contenttype/forms"/>
-  </ds:schemaRefs>
-</ds:datastoreItem>
-</file>
-
-<file path=customXml/itemProps2.xml><?xml version="1.0" encoding="utf-8"?>
 <ds:datastoreItem xmlns:ds="http://schemas.openxmlformats.org/officeDocument/2006/customXml" ds:itemID="{A891A0FF-7CF6-4FC6-83D5-1298EC075798}">
   <ds:schemaRefs>
     <ds:schemaRef ds:uri="12cd23af-3e52-4056-a2c9-5961a2704e29"/>
@@ -9591,6 +9583,14 @@
     <ds:schemaRef ds:uri="http://schemas.microsoft.com/office/infopath/2007/PartnerControls"/>
     <ds:schemaRef ds:uri="http://schemas.openxmlformats.org/package/2006/metadata/core-properties"/>
     <ds:schemaRef ds:uri="http://www.w3.org/XML/1998/namespace"/>
+  </ds:schemaRefs>
+</ds:datastoreItem>
+</file>
+
+<file path=customXml/itemProps2.xml><?xml version="1.0" encoding="utf-8"?>
+<ds:datastoreItem xmlns:ds="http://schemas.openxmlformats.org/officeDocument/2006/customXml" ds:itemID="{E37F82A6-C5BB-4E86-A9B2-E9D69C07338F}">
+  <ds:schemaRefs>
+    <ds:schemaRef ds:uri="http://schemas.microsoft.com/sharepoint/v3/contenttype/forms"/>
   </ds:schemaRefs>
 </ds:datastoreItem>
 </file>
